--- a/presentation/RPA_Introduction.pptx
+++ b/presentation/RPA_Introduction.pptx
@@ -21,7 +21,23 @@
     <p:sldId id="277" r:id="rId15"/>
     <p:sldId id="278" r:id="rId16"/>
     <p:sldId id="279" r:id="rId17"/>
-    <p:sldId id="265" r:id="rId18"/>
+    <p:sldId id="280" r:id="rId18"/>
+    <p:sldId id="281" r:id="rId19"/>
+    <p:sldId id="285" r:id="rId20"/>
+    <p:sldId id="287" r:id="rId21"/>
+    <p:sldId id="288" r:id="rId22"/>
+    <p:sldId id="289" r:id="rId23"/>
+    <p:sldId id="282" r:id="rId24"/>
+    <p:sldId id="283" r:id="rId25"/>
+    <p:sldId id="284" r:id="rId26"/>
+    <p:sldId id="290" r:id="rId27"/>
+    <p:sldId id="291" r:id="rId28"/>
+    <p:sldId id="292" r:id="rId29"/>
+    <p:sldId id="293" r:id="rId30"/>
+    <p:sldId id="294" r:id="rId31"/>
+    <p:sldId id="295" r:id="rId32"/>
+    <p:sldId id="296" r:id="rId33"/>
+    <p:sldId id="265" r:id="rId34"/>
   </p:sldIdLst>
   <p:sldSz cx="9144000" cy="6858000" type="screen4x3"/>
   <p:notesSz cx="6858000" cy="9144000"/>
@@ -318,7 +334,7 @@
           <a:p>
             <a:fld id="{5BCAD085-E8A6-8845-BD4E-CB4CCA059FC4}" type="datetimeFigureOut">
               <a:rPr lang="en-US" smtClean="0"/>
-              <a:t>12/26/2024</a:t>
+              <a:t>12/27/2024</a:t>
             </a:fld>
             <a:endParaRPr lang="en-US"/>
           </a:p>
@@ -486,7 +502,7 @@
           <a:p>
             <a:fld id="{5BCAD085-E8A6-8845-BD4E-CB4CCA059FC4}" type="datetimeFigureOut">
               <a:rPr lang="en-US" smtClean="0"/>
-              <a:t>12/26/2024</a:t>
+              <a:t>12/27/2024</a:t>
             </a:fld>
             <a:endParaRPr lang="en-US"/>
           </a:p>
@@ -664,7 +680,7 @@
           <a:p>
             <a:fld id="{5BCAD085-E8A6-8845-BD4E-CB4CCA059FC4}" type="datetimeFigureOut">
               <a:rPr lang="en-US" smtClean="0"/>
-              <a:t>12/26/2024</a:t>
+              <a:t>12/27/2024</a:t>
             </a:fld>
             <a:endParaRPr lang="en-US"/>
           </a:p>
@@ -832,7 +848,7 @@
           <a:p>
             <a:fld id="{5BCAD085-E8A6-8845-BD4E-CB4CCA059FC4}" type="datetimeFigureOut">
               <a:rPr lang="en-US" smtClean="0"/>
-              <a:t>12/26/2024</a:t>
+              <a:t>12/27/2024</a:t>
             </a:fld>
             <a:endParaRPr lang="en-US"/>
           </a:p>
@@ -1077,7 +1093,7 @@
           <a:p>
             <a:fld id="{5BCAD085-E8A6-8845-BD4E-CB4CCA059FC4}" type="datetimeFigureOut">
               <a:rPr lang="en-US" smtClean="0"/>
-              <a:t>12/26/2024</a:t>
+              <a:t>12/27/2024</a:t>
             </a:fld>
             <a:endParaRPr lang="en-US"/>
           </a:p>
@@ -1362,7 +1378,7 @@
           <a:p>
             <a:fld id="{5BCAD085-E8A6-8845-BD4E-CB4CCA059FC4}" type="datetimeFigureOut">
               <a:rPr lang="en-US" smtClean="0"/>
-              <a:t>12/26/2024</a:t>
+              <a:t>12/27/2024</a:t>
             </a:fld>
             <a:endParaRPr lang="en-US"/>
           </a:p>
@@ -1781,7 +1797,7 @@
           <a:p>
             <a:fld id="{5BCAD085-E8A6-8845-BD4E-CB4CCA059FC4}" type="datetimeFigureOut">
               <a:rPr lang="en-US" smtClean="0"/>
-              <a:t>12/26/2024</a:t>
+              <a:t>12/27/2024</a:t>
             </a:fld>
             <a:endParaRPr lang="en-US"/>
           </a:p>
@@ -1898,7 +1914,7 @@
           <a:p>
             <a:fld id="{5BCAD085-E8A6-8845-BD4E-CB4CCA059FC4}" type="datetimeFigureOut">
               <a:rPr lang="en-US" smtClean="0"/>
-              <a:t>12/26/2024</a:t>
+              <a:t>12/27/2024</a:t>
             </a:fld>
             <a:endParaRPr lang="en-US"/>
           </a:p>
@@ -1993,7 +2009,7 @@
           <a:p>
             <a:fld id="{5BCAD085-E8A6-8845-BD4E-CB4CCA059FC4}" type="datetimeFigureOut">
               <a:rPr lang="en-US" smtClean="0"/>
-              <a:t>12/26/2024</a:t>
+              <a:t>12/27/2024</a:t>
             </a:fld>
             <a:endParaRPr lang="en-US"/>
           </a:p>
@@ -2268,7 +2284,7 @@
           <a:p>
             <a:fld id="{5BCAD085-E8A6-8845-BD4E-CB4CCA059FC4}" type="datetimeFigureOut">
               <a:rPr lang="en-US" smtClean="0"/>
-              <a:t>12/26/2024</a:t>
+              <a:t>12/27/2024</a:t>
             </a:fld>
             <a:endParaRPr lang="en-US"/>
           </a:p>
@@ -2520,7 +2536,7 @@
           <a:p>
             <a:fld id="{5BCAD085-E8A6-8845-BD4E-CB4CCA059FC4}" type="datetimeFigureOut">
               <a:rPr lang="en-US" smtClean="0"/>
-              <a:t>12/26/2024</a:t>
+              <a:t>12/27/2024</a:t>
             </a:fld>
             <a:endParaRPr lang="en-US"/>
           </a:p>
@@ -2731,7 +2747,7 @@
           <a:p>
             <a:fld id="{5BCAD085-E8A6-8845-BD4E-CB4CCA059FC4}" type="datetimeFigureOut">
               <a:rPr lang="en-US" smtClean="0"/>
-              <a:t>12/26/2024</a:t>
+              <a:t>12/27/2024</a:t>
             </a:fld>
             <a:endParaRPr lang="en-US"/>
           </a:p>
@@ -3523,29 +3539,29 @@
         <p:spPr/>
         <p:txBody>
           <a:bodyPr>
-            <a:normAutofit fontScale="90000"/>
+            <a:noAutofit/>
           </a:bodyPr>
           <a:lstStyle/>
           <a:p>
             <a:r>
-              <a:rPr lang="en-US" dirty="0"/>
+              <a:rPr lang="en-US" sz="3200" dirty="0"/>
               <a:t>Hands-On Session</a:t>
             </a:r>
             <a:br>
-              <a:rPr lang="en-US" dirty="0"/>
+              <a:rPr lang="en-US" sz="3200" dirty="0"/>
             </a:br>
             <a:r>
-              <a:rPr lang="en-US" dirty="0"/>
+              <a:rPr lang="en-US" sz="3200" dirty="0"/>
               <a:t>1-Data Entry – Part 1</a:t>
             </a:r>
             <a:br>
-              <a:rPr lang="en-US" dirty="0"/>
+              <a:rPr lang="en-US" sz="3200" dirty="0"/>
             </a:br>
             <a:r>
-              <a:rPr lang="en-US" dirty="0"/>
+              <a:rPr lang="en-US" sz="3200" dirty="0"/>
               <a:t>https://rpachallenge.com</a:t>
             </a:r>
-            <a:endParaRPr lang="en-IN" dirty="0"/>
+            <a:endParaRPr lang="en-IN" sz="3200" dirty="0"/>
           </a:p>
         </p:txBody>
       </p:sp>
@@ -4138,7 +4154,13 @@
   <p:cSld>
     <p:spTree>
       <p:nvGrpSpPr>
-        <p:cNvPr id="1" name=""/>
+        <p:cNvPr id="1" name="">
+          <a:extLst>
+            <a:ext uri="{FF2B5EF4-FFF2-40B4-BE49-F238E27FC236}">
+              <a16:creationId xmlns:a16="http://schemas.microsoft.com/office/drawing/2014/main" id="{A7BF35FB-1B0F-0F6F-220D-E77E7F82DFA8}"/>
+            </a:ext>
+          </a:extLst>
+        </p:cNvPr>
         <p:cNvGrpSpPr/>
         <p:nvPr/>
       </p:nvGrpSpPr>
@@ -4152,7 +4174,13 @@
       </p:grpSpPr>
       <p:sp>
         <p:nvSpPr>
-          <p:cNvPr id="2" name="Title 1"/>
+          <p:cNvPr id="2" name="Title 1">
+            <a:extLst>
+              <a:ext uri="{FF2B5EF4-FFF2-40B4-BE49-F238E27FC236}">
+                <a16:creationId xmlns:a16="http://schemas.microsoft.com/office/drawing/2014/main" id="{BF514611-42F4-E059-9FC8-91E89502967D}"/>
+              </a:ext>
+            </a:extLst>
+          </p:cNvPr>
           <p:cNvSpPr>
             <a:spLocks noGrp="1"/>
           </p:cNvSpPr>
@@ -4162,18 +4190,35 @@
         </p:nvSpPr>
         <p:spPr/>
         <p:txBody>
-          <a:bodyPr/>
-          <a:lstStyle/>
-          <a:p>
-            <a:r>
-              <a:t>Q&amp;A</a:t>
-            </a:r>
-          </a:p>
-        </p:txBody>
-      </p:sp>
-      <p:sp>
-        <p:nvSpPr>
-          <p:cNvPr id="3" name="Content Placeholder 2"/>
+          <a:bodyPr>
+            <a:normAutofit fontScale="90000"/>
+          </a:bodyPr>
+          <a:lstStyle/>
+          <a:p>
+            <a:r>
+              <a:rPr lang="en-US" dirty="0"/>
+              <a:t>Hands-On Session</a:t>
+            </a:r>
+            <a:br>
+              <a:rPr lang="en-US" dirty="0"/>
+            </a:br>
+            <a:r>
+              <a:rPr lang="en-US" dirty="0"/>
+              <a:t>2-ReadDataFromExcel – Part 1</a:t>
+            </a:r>
+            <a:endParaRPr lang="en-IN" dirty="0"/>
+          </a:p>
+        </p:txBody>
+      </p:sp>
+      <p:sp>
+        <p:nvSpPr>
+          <p:cNvPr id="4" name="Content Placeholder 3">
+            <a:extLst>
+              <a:ext uri="{FF2B5EF4-FFF2-40B4-BE49-F238E27FC236}">
+                <a16:creationId xmlns:a16="http://schemas.microsoft.com/office/drawing/2014/main" id="{1613F158-C37E-E146-2170-5902170C1BE6}"/>
+              </a:ext>
+            </a:extLst>
+          </p:cNvPr>
           <p:cNvSpPr>
             <a:spLocks noGrp="1"/>
           </p:cNvSpPr>
@@ -4186,65 +4231,304 @@
           <a:bodyPr/>
           <a:lstStyle/>
           <a:p>
-            <a:r>
-              <a:rPr dirty="0"/>
-              <a:t>Let’s Discuss </a:t>
-            </a:r>
+            <a:endParaRPr lang="en-IN" dirty="0"/>
+          </a:p>
+        </p:txBody>
+      </p:sp>
+      <p:pic>
+        <p:nvPicPr>
+          <p:cNvPr id="5" name="Picture 4">
+            <a:extLst>
+              <a:ext uri="{FF2B5EF4-FFF2-40B4-BE49-F238E27FC236}">
+                <a16:creationId xmlns:a16="http://schemas.microsoft.com/office/drawing/2014/main" id="{48915EAB-86A4-F7BB-0870-55F178185323}"/>
+              </a:ext>
+            </a:extLst>
+          </p:cNvPr>
+          <p:cNvPicPr>
+            <a:picLocks noChangeAspect="1"/>
+          </p:cNvPicPr>
+          <p:nvPr/>
+        </p:nvPicPr>
+        <p:blipFill>
+          <a:blip r:embed="rId2"/>
+          <a:stretch>
+            <a:fillRect/>
+          </a:stretch>
+        </p:blipFill>
+        <p:spPr>
+          <a:xfrm>
+            <a:off x="849485" y="1514168"/>
+            <a:ext cx="7445030" cy="5343832"/>
+          </a:xfrm>
+          <a:prstGeom prst="rect">
+            <a:avLst/>
+          </a:prstGeom>
+        </p:spPr>
+      </p:pic>
+    </p:spTree>
+    <p:extLst>
+      <p:ext uri="{BB962C8B-B14F-4D97-AF65-F5344CB8AC3E}">
+        <p14:creationId xmlns:p14="http://schemas.microsoft.com/office/powerpoint/2010/main" val="462835999"/>
+      </p:ext>
+    </p:extLst>
+  </p:cSld>
+  <p:clrMapOvr>
+    <a:masterClrMapping/>
+  </p:clrMapOvr>
+</p:sld>
+</file>
+
+<file path=ppt/slides/slide18.xml><?xml version="1.0" encoding="utf-8"?>
+<p:sld xmlns:a="http://schemas.openxmlformats.org/drawingml/2006/main" xmlns:r="http://schemas.openxmlformats.org/officeDocument/2006/relationships" xmlns:p="http://schemas.openxmlformats.org/presentationml/2006/main">
+  <p:cSld>
+    <p:spTree>
+      <p:nvGrpSpPr>
+        <p:cNvPr id="1" name="">
+          <a:extLst>
+            <a:ext uri="{FF2B5EF4-FFF2-40B4-BE49-F238E27FC236}">
+              <a16:creationId xmlns:a16="http://schemas.microsoft.com/office/drawing/2014/main" id="{64C18C3C-B1D4-6A91-0525-EB8BF90FB5A4}"/>
+            </a:ext>
+          </a:extLst>
+        </p:cNvPr>
+        <p:cNvGrpSpPr/>
+        <p:nvPr/>
+      </p:nvGrpSpPr>
+      <p:grpSpPr>
+        <a:xfrm>
+          <a:off x="0" y="0"/>
+          <a:ext cx="0" cy="0"/>
+          <a:chOff x="0" y="0"/>
+          <a:chExt cx="0" cy="0"/>
+        </a:xfrm>
+      </p:grpSpPr>
+      <p:sp>
+        <p:nvSpPr>
+          <p:cNvPr id="2" name="Title 1">
+            <a:extLst>
+              <a:ext uri="{FF2B5EF4-FFF2-40B4-BE49-F238E27FC236}">
+                <a16:creationId xmlns:a16="http://schemas.microsoft.com/office/drawing/2014/main" id="{DF549D51-9D7D-B76B-16CD-57BBFC3BAE6F}"/>
+              </a:ext>
+            </a:extLst>
+          </p:cNvPr>
+          <p:cNvSpPr>
+            <a:spLocks noGrp="1"/>
+          </p:cNvSpPr>
+          <p:nvPr>
+            <p:ph type="title"/>
+          </p:nvPr>
+        </p:nvSpPr>
+        <p:spPr/>
+        <p:txBody>
+          <a:bodyPr>
+            <a:normAutofit fontScale="90000"/>
+          </a:bodyPr>
+          <a:lstStyle/>
+          <a:p>
             <a:r>
               <a:rPr lang="en-US" dirty="0"/>
-              <a:t>on </a:t>
-            </a:r>
-            <a:r>
-              <a:rPr dirty="0"/>
-              <a:t>Your Queries</a:t>
-            </a:r>
-            <a:endParaRPr lang="en-US" dirty="0"/>
-          </a:p>
-          <a:p>
+              <a:t>Hands-On Session</a:t>
+            </a:r>
+            <a:br>
+              <a:rPr lang="en-US" dirty="0"/>
+            </a:br>
+            <a:r>
+              <a:rPr lang="en-US" dirty="0"/>
+              <a:t>2-ReadDataFromExcel – Part 2</a:t>
+            </a:r>
             <a:endParaRPr lang="en-IN" dirty="0"/>
           </a:p>
-          <a:p>
-            <a:pPr lvl="3"/>
+        </p:txBody>
+      </p:sp>
+      <p:sp>
+        <p:nvSpPr>
+          <p:cNvPr id="4" name="Content Placeholder 3">
+            <a:extLst>
+              <a:ext uri="{FF2B5EF4-FFF2-40B4-BE49-F238E27FC236}">
+                <a16:creationId xmlns:a16="http://schemas.microsoft.com/office/drawing/2014/main" id="{5EF300E1-EA59-BBAB-AB07-522BE149073A}"/>
+              </a:ext>
+            </a:extLst>
+          </p:cNvPr>
+          <p:cNvSpPr>
+            <a:spLocks noGrp="1"/>
+          </p:cNvSpPr>
+          <p:nvPr>
+            <p:ph idx="1"/>
+          </p:nvPr>
+        </p:nvSpPr>
+        <p:spPr/>
+        <p:txBody>
+          <a:bodyPr/>
+          <a:lstStyle/>
+          <a:p>
             <a:endParaRPr lang="en-IN" dirty="0"/>
           </a:p>
-          <a:p>
-            <a:pPr lvl="3"/>
+        </p:txBody>
+      </p:sp>
+      <p:pic>
+        <p:nvPicPr>
+          <p:cNvPr id="6" name="Picture 5">
+            <a:extLst>
+              <a:ext uri="{FF2B5EF4-FFF2-40B4-BE49-F238E27FC236}">
+                <a16:creationId xmlns:a16="http://schemas.microsoft.com/office/drawing/2014/main" id="{4DFBB920-3B8F-895F-603F-4DDFCF6D0D7D}"/>
+              </a:ext>
+            </a:extLst>
+          </p:cNvPr>
+          <p:cNvPicPr>
+            <a:picLocks noChangeAspect="1"/>
+          </p:cNvPicPr>
+          <p:nvPr/>
+        </p:nvPicPr>
+        <p:blipFill>
+          <a:blip r:embed="rId2"/>
+          <a:stretch>
+            <a:fillRect/>
+          </a:stretch>
+        </p:blipFill>
+        <p:spPr>
+          <a:xfrm>
+            <a:off x="1552153" y="2023866"/>
+            <a:ext cx="6039693" cy="2810267"/>
+          </a:xfrm>
+          <a:prstGeom prst="rect">
+            <a:avLst/>
+          </a:prstGeom>
+        </p:spPr>
+      </p:pic>
+    </p:spTree>
+    <p:extLst>
+      <p:ext uri="{BB962C8B-B14F-4D97-AF65-F5344CB8AC3E}">
+        <p14:creationId xmlns:p14="http://schemas.microsoft.com/office/powerpoint/2010/main" val="844147468"/>
+      </p:ext>
+    </p:extLst>
+  </p:cSld>
+  <p:clrMapOvr>
+    <a:masterClrMapping/>
+  </p:clrMapOvr>
+</p:sld>
+</file>
+
+<file path=ppt/slides/slide19.xml><?xml version="1.0" encoding="utf-8"?>
+<p:sld xmlns:a="http://schemas.openxmlformats.org/drawingml/2006/main" xmlns:r="http://schemas.openxmlformats.org/officeDocument/2006/relationships" xmlns:p="http://schemas.openxmlformats.org/presentationml/2006/main">
+  <p:cSld>
+    <p:spTree>
+      <p:nvGrpSpPr>
+        <p:cNvPr id="1" name="">
+          <a:extLst>
+            <a:ext uri="{FF2B5EF4-FFF2-40B4-BE49-F238E27FC236}">
+              <a16:creationId xmlns:a16="http://schemas.microsoft.com/office/drawing/2014/main" id="{14ADA3A7-114B-9551-F6E9-6FDA5A6D41CE}"/>
+            </a:ext>
+          </a:extLst>
+        </p:cNvPr>
+        <p:cNvGrpSpPr/>
+        <p:nvPr/>
+      </p:nvGrpSpPr>
+      <p:grpSpPr>
+        <a:xfrm>
+          <a:off x="0" y="0"/>
+          <a:ext cx="0" cy="0"/>
+          <a:chOff x="0" y="0"/>
+          <a:chExt cx="0" cy="0"/>
+        </a:xfrm>
+      </p:grpSpPr>
+      <p:sp>
+        <p:nvSpPr>
+          <p:cNvPr id="2" name="Title 1">
+            <a:extLst>
+              <a:ext uri="{FF2B5EF4-FFF2-40B4-BE49-F238E27FC236}">
+                <a16:creationId xmlns:a16="http://schemas.microsoft.com/office/drawing/2014/main" id="{AE2329D2-6913-F6DB-19A2-17743C2AF083}"/>
+              </a:ext>
+            </a:extLst>
+          </p:cNvPr>
+          <p:cNvSpPr>
+            <a:spLocks noGrp="1"/>
+          </p:cNvSpPr>
+          <p:nvPr>
+            <p:ph type="title"/>
+          </p:nvPr>
+        </p:nvSpPr>
+        <p:spPr/>
+        <p:txBody>
+          <a:bodyPr>
+            <a:normAutofit fontScale="90000"/>
+          </a:bodyPr>
+          <a:lstStyle/>
+          <a:p>
+            <a:r>
+              <a:rPr lang="en-US" dirty="0"/>
+              <a:t>Hands-On Session</a:t>
+            </a:r>
+            <a:br>
+              <a:rPr lang="en-US" dirty="0"/>
+            </a:br>
+            <a:r>
+              <a:rPr lang="en-US" dirty="0"/>
+              <a:t>3-PopulateDataExceltoForm – Part 1</a:t>
+            </a:r>
             <a:endParaRPr lang="en-IN" dirty="0"/>
           </a:p>
-          <a:p>
-            <a:pPr marL="2743200" lvl="6" indent="0">
-              <a:buNone/>
-            </a:pPr>
-            <a:r>
-              <a:rPr lang="en-IN" sz="3600" b="1" dirty="0"/>
-              <a:t>Thank You</a:t>
-            </a:r>
-          </a:p>
-          <a:p>
-            <a:pPr marL="2743200" lvl="6" indent="0">
-              <a:buNone/>
-            </a:pPr>
-            <a:r>
-              <a:rPr lang="en-IN" sz="3600" b="1" dirty="0">
-                <a:hlinkClick r:id="rId2"/>
-              </a:rPr>
-              <a:t>www.Kaushalya.tech</a:t>
-            </a:r>
-            <a:endParaRPr lang="en-IN" sz="3600" b="1" dirty="0"/>
-          </a:p>
-          <a:p>
-            <a:pPr marL="2743200" lvl="6" indent="0">
-              <a:buNone/>
-            </a:pPr>
-            <a:r>
-              <a:rPr lang="en-IN" sz="3600" b="1" dirty="0"/>
-              <a:t>9845547471</a:t>
-            </a:r>
-            <a:endParaRPr sz="3600" b="1" dirty="0"/>
-          </a:p>
-        </p:txBody>
-      </p:sp>
+        </p:txBody>
+      </p:sp>
+      <p:sp>
+        <p:nvSpPr>
+          <p:cNvPr id="4" name="Content Placeholder 3">
+            <a:extLst>
+              <a:ext uri="{FF2B5EF4-FFF2-40B4-BE49-F238E27FC236}">
+                <a16:creationId xmlns:a16="http://schemas.microsoft.com/office/drawing/2014/main" id="{177A0862-EB55-CD3C-7803-DEDCAB7137F7}"/>
+              </a:ext>
+            </a:extLst>
+          </p:cNvPr>
+          <p:cNvSpPr>
+            <a:spLocks noGrp="1"/>
+          </p:cNvSpPr>
+          <p:nvPr>
+            <p:ph idx="1"/>
+          </p:nvPr>
+        </p:nvSpPr>
+        <p:spPr/>
+        <p:txBody>
+          <a:bodyPr/>
+          <a:lstStyle/>
+          <a:p>
+            <a:endParaRPr lang="en-IN" dirty="0"/>
+          </a:p>
+        </p:txBody>
+      </p:sp>
+      <p:pic>
+        <p:nvPicPr>
+          <p:cNvPr id="5" name="Picture 4">
+            <a:extLst>
+              <a:ext uri="{FF2B5EF4-FFF2-40B4-BE49-F238E27FC236}">
+                <a16:creationId xmlns:a16="http://schemas.microsoft.com/office/drawing/2014/main" id="{EB225FE8-CA7B-572E-2662-D2A63CDFFFD5}"/>
+              </a:ext>
+            </a:extLst>
+          </p:cNvPr>
+          <p:cNvPicPr>
+            <a:picLocks noChangeAspect="1"/>
+          </p:cNvPicPr>
+          <p:nvPr/>
+        </p:nvPicPr>
+        <p:blipFill>
+          <a:blip r:embed="rId2"/>
+          <a:stretch>
+            <a:fillRect/>
+          </a:stretch>
+        </p:blipFill>
+        <p:spPr>
+          <a:xfrm>
+            <a:off x="443884" y="1600200"/>
+            <a:ext cx="8256232" cy="4731774"/>
+          </a:xfrm>
+          <a:prstGeom prst="rect">
+            <a:avLst/>
+          </a:prstGeom>
+        </p:spPr>
+      </p:pic>
     </p:spTree>
+    <p:extLst>
+      <p:ext uri="{BB962C8B-B14F-4D97-AF65-F5344CB8AC3E}">
+        <p14:creationId xmlns:p14="http://schemas.microsoft.com/office/powerpoint/2010/main" val="1923601914"/>
+      </p:ext>
+    </p:extLst>
   </p:cSld>
   <p:clrMapOvr>
     <a:masterClrMapping/>
@@ -4421,6 +4705,1296 @@
     <p:extLst>
       <p:ext uri="{BB962C8B-B14F-4D97-AF65-F5344CB8AC3E}">
         <p14:creationId xmlns:p14="http://schemas.microsoft.com/office/powerpoint/2010/main" val="1403244045"/>
+      </p:ext>
+    </p:extLst>
+  </p:cSld>
+  <p:clrMapOvr>
+    <a:masterClrMapping/>
+  </p:clrMapOvr>
+</p:sld>
+</file>
+
+<file path=ppt/slides/slide20.xml><?xml version="1.0" encoding="utf-8"?>
+<p:sld xmlns:a="http://schemas.openxmlformats.org/drawingml/2006/main" xmlns:r="http://schemas.openxmlformats.org/officeDocument/2006/relationships" xmlns:p="http://schemas.openxmlformats.org/presentationml/2006/main">
+  <p:cSld>
+    <p:spTree>
+      <p:nvGrpSpPr>
+        <p:cNvPr id="1" name="">
+          <a:extLst>
+            <a:ext uri="{FF2B5EF4-FFF2-40B4-BE49-F238E27FC236}">
+              <a16:creationId xmlns:a16="http://schemas.microsoft.com/office/drawing/2014/main" id="{646E84A7-E66E-1A6C-328B-F3280068B73F}"/>
+            </a:ext>
+          </a:extLst>
+        </p:cNvPr>
+        <p:cNvGrpSpPr/>
+        <p:nvPr/>
+      </p:nvGrpSpPr>
+      <p:grpSpPr>
+        <a:xfrm>
+          <a:off x="0" y="0"/>
+          <a:ext cx="0" cy="0"/>
+          <a:chOff x="0" y="0"/>
+          <a:chExt cx="0" cy="0"/>
+        </a:xfrm>
+      </p:grpSpPr>
+      <p:sp>
+        <p:nvSpPr>
+          <p:cNvPr id="2" name="Title 1">
+            <a:extLst>
+              <a:ext uri="{FF2B5EF4-FFF2-40B4-BE49-F238E27FC236}">
+                <a16:creationId xmlns:a16="http://schemas.microsoft.com/office/drawing/2014/main" id="{03ABF0CB-9B00-E9B3-9A94-FE09FB8D0FD9}"/>
+              </a:ext>
+            </a:extLst>
+          </p:cNvPr>
+          <p:cNvSpPr>
+            <a:spLocks noGrp="1"/>
+          </p:cNvSpPr>
+          <p:nvPr>
+            <p:ph type="title"/>
+          </p:nvPr>
+        </p:nvSpPr>
+        <p:spPr/>
+        <p:txBody>
+          <a:bodyPr>
+            <a:normAutofit fontScale="90000"/>
+          </a:bodyPr>
+          <a:lstStyle/>
+          <a:p>
+            <a:r>
+              <a:rPr lang="en-US" dirty="0"/>
+              <a:t>Hands-On Session</a:t>
+            </a:r>
+            <a:br>
+              <a:rPr lang="en-US" dirty="0"/>
+            </a:br>
+            <a:r>
+              <a:rPr lang="en-US" dirty="0"/>
+              <a:t>3-PopulateDataExceltoForm – Part 2</a:t>
+            </a:r>
+            <a:endParaRPr lang="en-IN" dirty="0"/>
+          </a:p>
+        </p:txBody>
+      </p:sp>
+      <p:sp>
+        <p:nvSpPr>
+          <p:cNvPr id="4" name="Content Placeholder 3">
+            <a:extLst>
+              <a:ext uri="{FF2B5EF4-FFF2-40B4-BE49-F238E27FC236}">
+                <a16:creationId xmlns:a16="http://schemas.microsoft.com/office/drawing/2014/main" id="{4165A8AF-3B5B-657D-74AD-71CCE7E20FF4}"/>
+              </a:ext>
+            </a:extLst>
+          </p:cNvPr>
+          <p:cNvSpPr>
+            <a:spLocks noGrp="1"/>
+          </p:cNvSpPr>
+          <p:nvPr>
+            <p:ph idx="1"/>
+          </p:nvPr>
+        </p:nvSpPr>
+        <p:spPr/>
+        <p:txBody>
+          <a:bodyPr/>
+          <a:lstStyle/>
+          <a:p>
+            <a:endParaRPr lang="en-IN" dirty="0"/>
+          </a:p>
+        </p:txBody>
+      </p:sp>
+      <p:pic>
+        <p:nvPicPr>
+          <p:cNvPr id="6" name="Picture 5">
+            <a:extLst>
+              <a:ext uri="{FF2B5EF4-FFF2-40B4-BE49-F238E27FC236}">
+                <a16:creationId xmlns:a16="http://schemas.microsoft.com/office/drawing/2014/main" id="{95ABFB39-103F-6969-D116-A9B96B21AE3A}"/>
+              </a:ext>
+            </a:extLst>
+          </p:cNvPr>
+          <p:cNvPicPr>
+            <a:picLocks noChangeAspect="1"/>
+          </p:cNvPicPr>
+          <p:nvPr/>
+        </p:nvPicPr>
+        <p:blipFill>
+          <a:blip r:embed="rId2"/>
+          <a:stretch>
+            <a:fillRect/>
+          </a:stretch>
+        </p:blipFill>
+        <p:spPr>
+          <a:xfrm>
+            <a:off x="1166337" y="1600200"/>
+            <a:ext cx="6811326" cy="4702277"/>
+          </a:xfrm>
+          <a:prstGeom prst="rect">
+            <a:avLst/>
+          </a:prstGeom>
+        </p:spPr>
+      </p:pic>
+    </p:spTree>
+    <p:extLst>
+      <p:ext uri="{BB962C8B-B14F-4D97-AF65-F5344CB8AC3E}">
+        <p14:creationId xmlns:p14="http://schemas.microsoft.com/office/powerpoint/2010/main" val="701784577"/>
+      </p:ext>
+    </p:extLst>
+  </p:cSld>
+  <p:clrMapOvr>
+    <a:masterClrMapping/>
+  </p:clrMapOvr>
+</p:sld>
+</file>
+
+<file path=ppt/slides/slide21.xml><?xml version="1.0" encoding="utf-8"?>
+<p:sld xmlns:a="http://schemas.openxmlformats.org/drawingml/2006/main" xmlns:r="http://schemas.openxmlformats.org/officeDocument/2006/relationships" xmlns:p="http://schemas.openxmlformats.org/presentationml/2006/main">
+  <p:cSld>
+    <p:spTree>
+      <p:nvGrpSpPr>
+        <p:cNvPr id="1" name="">
+          <a:extLst>
+            <a:ext uri="{FF2B5EF4-FFF2-40B4-BE49-F238E27FC236}">
+              <a16:creationId xmlns:a16="http://schemas.microsoft.com/office/drawing/2014/main" id="{8DFAE6A8-1649-B655-8C21-C6E1C755C324}"/>
+            </a:ext>
+          </a:extLst>
+        </p:cNvPr>
+        <p:cNvGrpSpPr/>
+        <p:nvPr/>
+      </p:nvGrpSpPr>
+      <p:grpSpPr>
+        <a:xfrm>
+          <a:off x="0" y="0"/>
+          <a:ext cx="0" cy="0"/>
+          <a:chOff x="0" y="0"/>
+          <a:chExt cx="0" cy="0"/>
+        </a:xfrm>
+      </p:grpSpPr>
+      <p:sp>
+        <p:nvSpPr>
+          <p:cNvPr id="2" name="Title 1">
+            <a:extLst>
+              <a:ext uri="{FF2B5EF4-FFF2-40B4-BE49-F238E27FC236}">
+                <a16:creationId xmlns:a16="http://schemas.microsoft.com/office/drawing/2014/main" id="{BD4D2935-055B-722C-673E-E45A73A4C87F}"/>
+              </a:ext>
+            </a:extLst>
+          </p:cNvPr>
+          <p:cNvSpPr>
+            <a:spLocks noGrp="1"/>
+          </p:cNvSpPr>
+          <p:nvPr>
+            <p:ph type="title"/>
+          </p:nvPr>
+        </p:nvSpPr>
+        <p:spPr/>
+        <p:txBody>
+          <a:bodyPr>
+            <a:normAutofit fontScale="90000"/>
+          </a:bodyPr>
+          <a:lstStyle/>
+          <a:p>
+            <a:r>
+              <a:rPr lang="en-US" dirty="0"/>
+              <a:t>Hands-On Session</a:t>
+            </a:r>
+            <a:br>
+              <a:rPr lang="en-US" dirty="0"/>
+            </a:br>
+            <a:r>
+              <a:rPr lang="en-US" dirty="0"/>
+              <a:t>3-PopulateDataExceltoForm – Part 3</a:t>
+            </a:r>
+            <a:endParaRPr lang="en-IN" dirty="0"/>
+          </a:p>
+        </p:txBody>
+      </p:sp>
+      <p:sp>
+        <p:nvSpPr>
+          <p:cNvPr id="4" name="Content Placeholder 3">
+            <a:extLst>
+              <a:ext uri="{FF2B5EF4-FFF2-40B4-BE49-F238E27FC236}">
+                <a16:creationId xmlns:a16="http://schemas.microsoft.com/office/drawing/2014/main" id="{DAA11619-2146-23CC-587D-58FE4EEA6B87}"/>
+              </a:ext>
+            </a:extLst>
+          </p:cNvPr>
+          <p:cNvSpPr>
+            <a:spLocks noGrp="1"/>
+          </p:cNvSpPr>
+          <p:nvPr>
+            <p:ph idx="1"/>
+          </p:nvPr>
+        </p:nvSpPr>
+        <p:spPr/>
+        <p:txBody>
+          <a:bodyPr/>
+          <a:lstStyle/>
+          <a:p>
+            <a:endParaRPr lang="en-IN" dirty="0"/>
+          </a:p>
+        </p:txBody>
+      </p:sp>
+      <p:pic>
+        <p:nvPicPr>
+          <p:cNvPr id="5" name="Picture 4">
+            <a:extLst>
+              <a:ext uri="{FF2B5EF4-FFF2-40B4-BE49-F238E27FC236}">
+                <a16:creationId xmlns:a16="http://schemas.microsoft.com/office/drawing/2014/main" id="{B4617BD3-068F-74A9-575D-B17F22D2E3AC}"/>
+              </a:ext>
+            </a:extLst>
+          </p:cNvPr>
+          <p:cNvPicPr>
+            <a:picLocks noChangeAspect="1"/>
+          </p:cNvPicPr>
+          <p:nvPr/>
+        </p:nvPicPr>
+        <p:blipFill>
+          <a:blip r:embed="rId2"/>
+          <a:stretch>
+            <a:fillRect/>
+          </a:stretch>
+        </p:blipFill>
+        <p:spPr>
+          <a:xfrm>
+            <a:off x="2233286" y="1600200"/>
+            <a:ext cx="4677428" cy="4682613"/>
+          </a:xfrm>
+          <a:prstGeom prst="rect">
+            <a:avLst/>
+          </a:prstGeom>
+        </p:spPr>
+      </p:pic>
+    </p:spTree>
+    <p:extLst>
+      <p:ext uri="{BB962C8B-B14F-4D97-AF65-F5344CB8AC3E}">
+        <p14:creationId xmlns:p14="http://schemas.microsoft.com/office/powerpoint/2010/main" val="744962909"/>
+      </p:ext>
+    </p:extLst>
+  </p:cSld>
+  <p:clrMapOvr>
+    <a:masterClrMapping/>
+  </p:clrMapOvr>
+</p:sld>
+</file>
+
+<file path=ppt/slides/slide22.xml><?xml version="1.0" encoding="utf-8"?>
+<p:sld xmlns:a="http://schemas.openxmlformats.org/drawingml/2006/main" xmlns:r="http://schemas.openxmlformats.org/officeDocument/2006/relationships" xmlns:p="http://schemas.openxmlformats.org/presentationml/2006/main">
+  <p:cSld>
+    <p:spTree>
+      <p:nvGrpSpPr>
+        <p:cNvPr id="1" name="">
+          <a:extLst>
+            <a:ext uri="{FF2B5EF4-FFF2-40B4-BE49-F238E27FC236}">
+              <a16:creationId xmlns:a16="http://schemas.microsoft.com/office/drawing/2014/main" id="{D9757949-5CEA-42EE-4742-488E1D0B60AE}"/>
+            </a:ext>
+          </a:extLst>
+        </p:cNvPr>
+        <p:cNvGrpSpPr/>
+        <p:nvPr/>
+      </p:nvGrpSpPr>
+      <p:grpSpPr>
+        <a:xfrm>
+          <a:off x="0" y="0"/>
+          <a:ext cx="0" cy="0"/>
+          <a:chOff x="0" y="0"/>
+          <a:chExt cx="0" cy="0"/>
+        </a:xfrm>
+      </p:grpSpPr>
+      <p:sp>
+        <p:nvSpPr>
+          <p:cNvPr id="2" name="Title 1">
+            <a:extLst>
+              <a:ext uri="{FF2B5EF4-FFF2-40B4-BE49-F238E27FC236}">
+                <a16:creationId xmlns:a16="http://schemas.microsoft.com/office/drawing/2014/main" id="{8BF56723-C2D5-95E9-3273-5E6B844F0436}"/>
+              </a:ext>
+            </a:extLst>
+          </p:cNvPr>
+          <p:cNvSpPr>
+            <a:spLocks noGrp="1"/>
+          </p:cNvSpPr>
+          <p:nvPr>
+            <p:ph type="title"/>
+          </p:nvPr>
+        </p:nvSpPr>
+        <p:spPr/>
+        <p:txBody>
+          <a:bodyPr>
+            <a:normAutofit fontScale="90000"/>
+          </a:bodyPr>
+          <a:lstStyle/>
+          <a:p>
+            <a:r>
+              <a:rPr lang="en-US" dirty="0"/>
+              <a:t>Hands-On Session</a:t>
+            </a:r>
+            <a:br>
+              <a:rPr lang="en-US" dirty="0"/>
+            </a:br>
+            <a:r>
+              <a:rPr lang="en-US" dirty="0"/>
+              <a:t>3-PopulateDataExceltoForm – Part 4</a:t>
+            </a:r>
+            <a:endParaRPr lang="en-IN" dirty="0"/>
+          </a:p>
+        </p:txBody>
+      </p:sp>
+      <p:sp>
+        <p:nvSpPr>
+          <p:cNvPr id="4" name="Content Placeholder 3">
+            <a:extLst>
+              <a:ext uri="{FF2B5EF4-FFF2-40B4-BE49-F238E27FC236}">
+                <a16:creationId xmlns:a16="http://schemas.microsoft.com/office/drawing/2014/main" id="{2DF41DD0-26B9-530C-0423-6256343A110C}"/>
+              </a:ext>
+            </a:extLst>
+          </p:cNvPr>
+          <p:cNvSpPr>
+            <a:spLocks noGrp="1"/>
+          </p:cNvSpPr>
+          <p:nvPr>
+            <p:ph idx="1"/>
+          </p:nvPr>
+        </p:nvSpPr>
+        <p:spPr/>
+        <p:txBody>
+          <a:bodyPr/>
+          <a:lstStyle/>
+          <a:p>
+            <a:endParaRPr lang="en-IN" dirty="0"/>
+          </a:p>
+        </p:txBody>
+      </p:sp>
+      <p:pic>
+        <p:nvPicPr>
+          <p:cNvPr id="6" name="Picture 5">
+            <a:extLst>
+              <a:ext uri="{FF2B5EF4-FFF2-40B4-BE49-F238E27FC236}">
+                <a16:creationId xmlns:a16="http://schemas.microsoft.com/office/drawing/2014/main" id="{0DF1DCD9-9979-DC5F-EBA9-0D10064B0A95}"/>
+              </a:ext>
+            </a:extLst>
+          </p:cNvPr>
+          <p:cNvPicPr>
+            <a:picLocks noChangeAspect="1"/>
+          </p:cNvPicPr>
+          <p:nvPr/>
+        </p:nvPicPr>
+        <p:blipFill>
+          <a:blip r:embed="rId2"/>
+          <a:stretch>
+            <a:fillRect/>
+          </a:stretch>
+        </p:blipFill>
+        <p:spPr>
+          <a:xfrm>
+            <a:off x="2533365" y="1769806"/>
+            <a:ext cx="4077269" cy="4227871"/>
+          </a:xfrm>
+          <a:prstGeom prst="rect">
+            <a:avLst/>
+          </a:prstGeom>
+        </p:spPr>
+      </p:pic>
+    </p:spTree>
+    <p:extLst>
+      <p:ext uri="{BB962C8B-B14F-4D97-AF65-F5344CB8AC3E}">
+        <p14:creationId xmlns:p14="http://schemas.microsoft.com/office/powerpoint/2010/main" val="2768879392"/>
+      </p:ext>
+    </p:extLst>
+  </p:cSld>
+  <p:clrMapOvr>
+    <a:masterClrMapping/>
+  </p:clrMapOvr>
+</p:sld>
+</file>
+
+<file path=ppt/slides/slide23.xml><?xml version="1.0" encoding="utf-8"?>
+<p:sld xmlns:a="http://schemas.openxmlformats.org/drawingml/2006/main" xmlns:r="http://schemas.openxmlformats.org/officeDocument/2006/relationships" xmlns:p="http://schemas.openxmlformats.org/presentationml/2006/main">
+  <p:cSld>
+    <p:spTree>
+      <p:nvGrpSpPr>
+        <p:cNvPr id="1" name="">
+          <a:extLst>
+            <a:ext uri="{FF2B5EF4-FFF2-40B4-BE49-F238E27FC236}">
+              <a16:creationId xmlns:a16="http://schemas.microsoft.com/office/drawing/2014/main" id="{6223B00C-669B-B8EF-7385-9D278A798DD5}"/>
+            </a:ext>
+          </a:extLst>
+        </p:cNvPr>
+        <p:cNvGrpSpPr/>
+        <p:nvPr/>
+      </p:nvGrpSpPr>
+      <p:grpSpPr>
+        <a:xfrm>
+          <a:off x="0" y="0"/>
+          <a:ext cx="0" cy="0"/>
+          <a:chOff x="0" y="0"/>
+          <a:chExt cx="0" cy="0"/>
+        </a:xfrm>
+      </p:grpSpPr>
+      <p:sp>
+        <p:nvSpPr>
+          <p:cNvPr id="2" name="Title 1">
+            <a:extLst>
+              <a:ext uri="{FF2B5EF4-FFF2-40B4-BE49-F238E27FC236}">
+                <a16:creationId xmlns:a16="http://schemas.microsoft.com/office/drawing/2014/main" id="{FB87BF63-3DA2-A492-637D-46875CB4018E}"/>
+              </a:ext>
+            </a:extLst>
+          </p:cNvPr>
+          <p:cNvSpPr>
+            <a:spLocks noGrp="1"/>
+          </p:cNvSpPr>
+          <p:nvPr>
+            <p:ph type="title"/>
+          </p:nvPr>
+        </p:nvSpPr>
+        <p:spPr/>
+        <p:txBody>
+          <a:bodyPr>
+            <a:normAutofit fontScale="90000"/>
+          </a:bodyPr>
+          <a:lstStyle/>
+          <a:p>
+            <a:r>
+              <a:rPr lang="en-US" dirty="0"/>
+              <a:t>Hands-On Session</a:t>
+            </a:r>
+            <a:br>
+              <a:rPr lang="en-US" dirty="0"/>
+            </a:br>
+            <a:r>
+              <a:rPr lang="en-US" dirty="0"/>
+              <a:t>4-PopulateData-Excel to Form– Part 1</a:t>
+            </a:r>
+            <a:endParaRPr lang="en-IN" dirty="0"/>
+          </a:p>
+        </p:txBody>
+      </p:sp>
+      <p:sp>
+        <p:nvSpPr>
+          <p:cNvPr id="4" name="Content Placeholder 3">
+            <a:extLst>
+              <a:ext uri="{FF2B5EF4-FFF2-40B4-BE49-F238E27FC236}">
+                <a16:creationId xmlns:a16="http://schemas.microsoft.com/office/drawing/2014/main" id="{541DD8D5-0788-3930-9322-499C037E5E42}"/>
+              </a:ext>
+            </a:extLst>
+          </p:cNvPr>
+          <p:cNvSpPr>
+            <a:spLocks noGrp="1"/>
+          </p:cNvSpPr>
+          <p:nvPr>
+            <p:ph idx="1"/>
+          </p:nvPr>
+        </p:nvSpPr>
+        <p:spPr/>
+        <p:txBody>
+          <a:bodyPr/>
+          <a:lstStyle/>
+          <a:p>
+            <a:endParaRPr lang="en-IN" dirty="0"/>
+          </a:p>
+        </p:txBody>
+      </p:sp>
+      <p:pic>
+        <p:nvPicPr>
+          <p:cNvPr id="5" name="Picture 4">
+            <a:extLst>
+              <a:ext uri="{FF2B5EF4-FFF2-40B4-BE49-F238E27FC236}">
+                <a16:creationId xmlns:a16="http://schemas.microsoft.com/office/drawing/2014/main" id="{07D2A224-FF16-95E6-E181-B0490AC2E09E}"/>
+              </a:ext>
+            </a:extLst>
+          </p:cNvPr>
+          <p:cNvPicPr>
+            <a:picLocks noChangeAspect="1"/>
+          </p:cNvPicPr>
+          <p:nvPr/>
+        </p:nvPicPr>
+        <p:blipFill>
+          <a:blip r:embed="rId2"/>
+          <a:stretch>
+            <a:fillRect/>
+          </a:stretch>
+        </p:blipFill>
+        <p:spPr>
+          <a:xfrm>
+            <a:off x="756705" y="1600200"/>
+            <a:ext cx="7630590" cy="4525964"/>
+          </a:xfrm>
+          <a:prstGeom prst="rect">
+            <a:avLst/>
+          </a:prstGeom>
+        </p:spPr>
+      </p:pic>
+    </p:spTree>
+    <p:extLst>
+      <p:ext uri="{BB962C8B-B14F-4D97-AF65-F5344CB8AC3E}">
+        <p14:creationId xmlns:p14="http://schemas.microsoft.com/office/powerpoint/2010/main" val="1707833340"/>
+      </p:ext>
+    </p:extLst>
+  </p:cSld>
+  <p:clrMapOvr>
+    <a:masterClrMapping/>
+  </p:clrMapOvr>
+</p:sld>
+</file>
+
+<file path=ppt/slides/slide24.xml><?xml version="1.0" encoding="utf-8"?>
+<p:sld xmlns:a="http://schemas.openxmlformats.org/drawingml/2006/main" xmlns:r="http://schemas.openxmlformats.org/officeDocument/2006/relationships" xmlns:p="http://schemas.openxmlformats.org/presentationml/2006/main">
+  <p:cSld>
+    <p:spTree>
+      <p:nvGrpSpPr>
+        <p:cNvPr id="1" name="">
+          <a:extLst>
+            <a:ext uri="{FF2B5EF4-FFF2-40B4-BE49-F238E27FC236}">
+              <a16:creationId xmlns:a16="http://schemas.microsoft.com/office/drawing/2014/main" id="{4C5AE2F5-C05A-C930-C881-35EC52DD54BD}"/>
+            </a:ext>
+          </a:extLst>
+        </p:cNvPr>
+        <p:cNvGrpSpPr/>
+        <p:nvPr/>
+      </p:nvGrpSpPr>
+      <p:grpSpPr>
+        <a:xfrm>
+          <a:off x="0" y="0"/>
+          <a:ext cx="0" cy="0"/>
+          <a:chOff x="0" y="0"/>
+          <a:chExt cx="0" cy="0"/>
+        </a:xfrm>
+      </p:grpSpPr>
+      <p:sp>
+        <p:nvSpPr>
+          <p:cNvPr id="2" name="Title 1">
+            <a:extLst>
+              <a:ext uri="{FF2B5EF4-FFF2-40B4-BE49-F238E27FC236}">
+                <a16:creationId xmlns:a16="http://schemas.microsoft.com/office/drawing/2014/main" id="{DFD6CF09-8903-F0F3-2C12-2167742A2135}"/>
+              </a:ext>
+            </a:extLst>
+          </p:cNvPr>
+          <p:cNvSpPr>
+            <a:spLocks noGrp="1"/>
+          </p:cNvSpPr>
+          <p:nvPr>
+            <p:ph type="title"/>
+          </p:nvPr>
+        </p:nvSpPr>
+        <p:spPr/>
+        <p:txBody>
+          <a:bodyPr>
+            <a:normAutofit fontScale="90000"/>
+          </a:bodyPr>
+          <a:lstStyle/>
+          <a:p>
+            <a:r>
+              <a:rPr lang="en-US" dirty="0"/>
+              <a:t>Hands-On Session</a:t>
+            </a:r>
+            <a:br>
+              <a:rPr lang="en-US" dirty="0"/>
+            </a:br>
+            <a:r>
+              <a:rPr lang="en-US" dirty="0"/>
+              <a:t>4-PopulateData-Excel to Form– Part 2</a:t>
+            </a:r>
+            <a:endParaRPr lang="en-IN" dirty="0"/>
+          </a:p>
+        </p:txBody>
+      </p:sp>
+      <p:sp>
+        <p:nvSpPr>
+          <p:cNvPr id="4" name="Content Placeholder 3">
+            <a:extLst>
+              <a:ext uri="{FF2B5EF4-FFF2-40B4-BE49-F238E27FC236}">
+                <a16:creationId xmlns:a16="http://schemas.microsoft.com/office/drawing/2014/main" id="{7542D796-F53A-31E8-A846-9BD2EC0E0E93}"/>
+              </a:ext>
+            </a:extLst>
+          </p:cNvPr>
+          <p:cNvSpPr>
+            <a:spLocks noGrp="1"/>
+          </p:cNvSpPr>
+          <p:nvPr>
+            <p:ph idx="1"/>
+          </p:nvPr>
+        </p:nvSpPr>
+        <p:spPr/>
+        <p:txBody>
+          <a:bodyPr/>
+          <a:lstStyle/>
+          <a:p>
+            <a:endParaRPr lang="en-IN" dirty="0"/>
+          </a:p>
+        </p:txBody>
+      </p:sp>
+      <p:pic>
+        <p:nvPicPr>
+          <p:cNvPr id="5" name="Picture 4">
+            <a:extLst>
+              <a:ext uri="{FF2B5EF4-FFF2-40B4-BE49-F238E27FC236}">
+                <a16:creationId xmlns:a16="http://schemas.microsoft.com/office/drawing/2014/main" id="{0EA57A2B-02F3-365A-40F8-5340F59562E2}"/>
+              </a:ext>
+            </a:extLst>
+          </p:cNvPr>
+          <p:cNvPicPr>
+            <a:picLocks noChangeAspect="1"/>
+          </p:cNvPicPr>
+          <p:nvPr/>
+        </p:nvPicPr>
+        <p:blipFill>
+          <a:blip r:embed="rId2"/>
+          <a:stretch>
+            <a:fillRect/>
+          </a:stretch>
+        </p:blipFill>
+        <p:spPr>
+          <a:xfrm>
+            <a:off x="732889" y="1600200"/>
+            <a:ext cx="7678222" cy="5220173"/>
+          </a:xfrm>
+          <a:prstGeom prst="rect">
+            <a:avLst/>
+          </a:prstGeom>
+        </p:spPr>
+      </p:pic>
+    </p:spTree>
+    <p:extLst>
+      <p:ext uri="{BB962C8B-B14F-4D97-AF65-F5344CB8AC3E}">
+        <p14:creationId xmlns:p14="http://schemas.microsoft.com/office/powerpoint/2010/main" val="368707488"/>
+      </p:ext>
+    </p:extLst>
+  </p:cSld>
+  <p:clrMapOvr>
+    <a:masterClrMapping/>
+  </p:clrMapOvr>
+</p:sld>
+</file>
+
+<file path=ppt/slides/slide25.xml><?xml version="1.0" encoding="utf-8"?>
+<p:sld xmlns:a="http://schemas.openxmlformats.org/drawingml/2006/main" xmlns:r="http://schemas.openxmlformats.org/officeDocument/2006/relationships" xmlns:p="http://schemas.openxmlformats.org/presentationml/2006/main">
+  <p:cSld>
+    <p:spTree>
+      <p:nvGrpSpPr>
+        <p:cNvPr id="1" name="">
+          <a:extLst>
+            <a:ext uri="{FF2B5EF4-FFF2-40B4-BE49-F238E27FC236}">
+              <a16:creationId xmlns:a16="http://schemas.microsoft.com/office/drawing/2014/main" id="{C7A556CC-B31E-F303-7EEE-160063FC75E7}"/>
+            </a:ext>
+          </a:extLst>
+        </p:cNvPr>
+        <p:cNvGrpSpPr/>
+        <p:nvPr/>
+      </p:nvGrpSpPr>
+      <p:grpSpPr>
+        <a:xfrm>
+          <a:off x="0" y="0"/>
+          <a:ext cx="0" cy="0"/>
+          <a:chOff x="0" y="0"/>
+          <a:chExt cx="0" cy="0"/>
+        </a:xfrm>
+      </p:grpSpPr>
+      <p:sp>
+        <p:nvSpPr>
+          <p:cNvPr id="2" name="Title 1">
+            <a:extLst>
+              <a:ext uri="{FF2B5EF4-FFF2-40B4-BE49-F238E27FC236}">
+                <a16:creationId xmlns:a16="http://schemas.microsoft.com/office/drawing/2014/main" id="{4883C904-CACB-3821-F6E9-2D9FB871DCA2}"/>
+              </a:ext>
+            </a:extLst>
+          </p:cNvPr>
+          <p:cNvSpPr>
+            <a:spLocks noGrp="1"/>
+          </p:cNvSpPr>
+          <p:nvPr>
+            <p:ph type="title"/>
+          </p:nvPr>
+        </p:nvSpPr>
+        <p:spPr/>
+        <p:txBody>
+          <a:bodyPr>
+            <a:normAutofit fontScale="90000"/>
+          </a:bodyPr>
+          <a:lstStyle/>
+          <a:p>
+            <a:r>
+              <a:rPr lang="en-US" dirty="0"/>
+              <a:t>Hands-On Session</a:t>
+            </a:r>
+            <a:br>
+              <a:rPr lang="en-US" dirty="0"/>
+            </a:br>
+            <a:r>
+              <a:rPr lang="en-US" dirty="0"/>
+              <a:t>4-PopulateData-Excel to Form– Part 3</a:t>
+            </a:r>
+            <a:endParaRPr lang="en-IN" dirty="0"/>
+          </a:p>
+        </p:txBody>
+      </p:sp>
+      <p:sp>
+        <p:nvSpPr>
+          <p:cNvPr id="4" name="Content Placeholder 3">
+            <a:extLst>
+              <a:ext uri="{FF2B5EF4-FFF2-40B4-BE49-F238E27FC236}">
+                <a16:creationId xmlns:a16="http://schemas.microsoft.com/office/drawing/2014/main" id="{C96F540E-2847-A35D-6701-40531086E9C3}"/>
+              </a:ext>
+            </a:extLst>
+          </p:cNvPr>
+          <p:cNvSpPr>
+            <a:spLocks noGrp="1"/>
+          </p:cNvSpPr>
+          <p:nvPr>
+            <p:ph idx="1"/>
+          </p:nvPr>
+        </p:nvSpPr>
+        <p:spPr/>
+        <p:txBody>
+          <a:bodyPr/>
+          <a:lstStyle/>
+          <a:p>
+            <a:endParaRPr lang="en-IN" dirty="0"/>
+          </a:p>
+        </p:txBody>
+      </p:sp>
+      <p:pic>
+        <p:nvPicPr>
+          <p:cNvPr id="5" name="Picture 4">
+            <a:extLst>
+              <a:ext uri="{FF2B5EF4-FFF2-40B4-BE49-F238E27FC236}">
+                <a16:creationId xmlns:a16="http://schemas.microsoft.com/office/drawing/2014/main" id="{A65F7403-1B6D-95D0-95CB-2C0A3AB900AF}"/>
+              </a:ext>
+            </a:extLst>
+          </p:cNvPr>
+          <p:cNvPicPr>
+            <a:picLocks noChangeAspect="1"/>
+          </p:cNvPicPr>
+          <p:nvPr/>
+        </p:nvPicPr>
+        <p:blipFill>
+          <a:blip r:embed="rId2"/>
+          <a:stretch>
+            <a:fillRect/>
+          </a:stretch>
+        </p:blipFill>
+        <p:spPr>
+          <a:xfrm>
+            <a:off x="1347337" y="1743572"/>
+            <a:ext cx="6449325" cy="4239217"/>
+          </a:xfrm>
+          <a:prstGeom prst="rect">
+            <a:avLst/>
+          </a:prstGeom>
+        </p:spPr>
+      </p:pic>
+    </p:spTree>
+    <p:extLst>
+      <p:ext uri="{BB962C8B-B14F-4D97-AF65-F5344CB8AC3E}">
+        <p14:creationId xmlns:p14="http://schemas.microsoft.com/office/powerpoint/2010/main" val="1045278510"/>
+      </p:ext>
+    </p:extLst>
+  </p:cSld>
+  <p:clrMapOvr>
+    <a:masterClrMapping/>
+  </p:clrMapOvr>
+</p:sld>
+</file>
+
+<file path=ppt/slides/slide26.xml><?xml version="1.0" encoding="utf-8"?>
+<p:sld xmlns:a="http://schemas.openxmlformats.org/drawingml/2006/main" xmlns:r="http://schemas.openxmlformats.org/officeDocument/2006/relationships" xmlns:p="http://schemas.openxmlformats.org/presentationml/2006/main">
+  <p:cSld>
+    <p:spTree>
+      <p:nvGrpSpPr>
+        <p:cNvPr id="1" name="">
+          <a:extLst>
+            <a:ext uri="{FF2B5EF4-FFF2-40B4-BE49-F238E27FC236}">
+              <a16:creationId xmlns:a16="http://schemas.microsoft.com/office/drawing/2014/main" id="{EDA12706-B893-A6FA-A24E-6B655812273F}"/>
+            </a:ext>
+          </a:extLst>
+        </p:cNvPr>
+        <p:cNvGrpSpPr/>
+        <p:nvPr/>
+      </p:nvGrpSpPr>
+      <p:grpSpPr>
+        <a:xfrm>
+          <a:off x="0" y="0"/>
+          <a:ext cx="0" cy="0"/>
+          <a:chOff x="0" y="0"/>
+          <a:chExt cx="0" cy="0"/>
+        </a:xfrm>
+      </p:grpSpPr>
+      <p:sp>
+        <p:nvSpPr>
+          <p:cNvPr id="2" name="Title 1">
+            <a:extLst>
+              <a:ext uri="{FF2B5EF4-FFF2-40B4-BE49-F238E27FC236}">
+                <a16:creationId xmlns:a16="http://schemas.microsoft.com/office/drawing/2014/main" id="{E9DF09A8-ED7C-4CC5-F202-B6956719405D}"/>
+              </a:ext>
+            </a:extLst>
+          </p:cNvPr>
+          <p:cNvSpPr>
+            <a:spLocks noGrp="1"/>
+          </p:cNvSpPr>
+          <p:nvPr>
+            <p:ph type="title"/>
+          </p:nvPr>
+        </p:nvSpPr>
+        <p:spPr/>
+        <p:txBody>
+          <a:bodyPr>
+            <a:normAutofit fontScale="90000"/>
+          </a:bodyPr>
+          <a:lstStyle/>
+          <a:p>
+            <a:r>
+              <a:rPr lang="en-US" dirty="0"/>
+              <a:t>Hands-On Session</a:t>
+            </a:r>
+            <a:br>
+              <a:rPr lang="en-US" dirty="0"/>
+            </a:br>
+            <a:r>
+              <a:rPr lang="en-US" dirty="0"/>
+              <a:t>5-PopulateData-Field to Notepad</a:t>
+            </a:r>
+            <a:endParaRPr lang="en-IN" dirty="0"/>
+          </a:p>
+        </p:txBody>
+      </p:sp>
+      <p:sp>
+        <p:nvSpPr>
+          <p:cNvPr id="4" name="Content Placeholder 3">
+            <a:extLst>
+              <a:ext uri="{FF2B5EF4-FFF2-40B4-BE49-F238E27FC236}">
+                <a16:creationId xmlns:a16="http://schemas.microsoft.com/office/drawing/2014/main" id="{9FBF8FA4-EE12-0F93-3088-12A154A341CE}"/>
+              </a:ext>
+            </a:extLst>
+          </p:cNvPr>
+          <p:cNvSpPr>
+            <a:spLocks noGrp="1"/>
+          </p:cNvSpPr>
+          <p:nvPr>
+            <p:ph idx="1"/>
+          </p:nvPr>
+        </p:nvSpPr>
+        <p:spPr/>
+        <p:txBody>
+          <a:bodyPr/>
+          <a:lstStyle/>
+          <a:p>
+            <a:endParaRPr lang="en-IN" dirty="0"/>
+          </a:p>
+        </p:txBody>
+      </p:sp>
+      <p:pic>
+        <p:nvPicPr>
+          <p:cNvPr id="6" name="Picture 5">
+            <a:extLst>
+              <a:ext uri="{FF2B5EF4-FFF2-40B4-BE49-F238E27FC236}">
+                <a16:creationId xmlns:a16="http://schemas.microsoft.com/office/drawing/2014/main" id="{0B78F47B-25CC-3A20-9B77-C02E65100364}"/>
+              </a:ext>
+            </a:extLst>
+          </p:cNvPr>
+          <p:cNvPicPr>
+            <a:picLocks noChangeAspect="1"/>
+          </p:cNvPicPr>
+          <p:nvPr/>
+        </p:nvPicPr>
+        <p:blipFill>
+          <a:blip r:embed="rId2"/>
+          <a:stretch>
+            <a:fillRect/>
+          </a:stretch>
+        </p:blipFill>
+        <p:spPr>
+          <a:xfrm>
+            <a:off x="1880812" y="1417638"/>
+            <a:ext cx="5382376" cy="4865176"/>
+          </a:xfrm>
+          <a:prstGeom prst="rect">
+            <a:avLst/>
+          </a:prstGeom>
+        </p:spPr>
+      </p:pic>
+    </p:spTree>
+    <p:extLst>
+      <p:ext uri="{BB962C8B-B14F-4D97-AF65-F5344CB8AC3E}">
+        <p14:creationId xmlns:p14="http://schemas.microsoft.com/office/powerpoint/2010/main" val="519400158"/>
+      </p:ext>
+    </p:extLst>
+  </p:cSld>
+  <p:clrMapOvr>
+    <a:masterClrMapping/>
+  </p:clrMapOvr>
+</p:sld>
+</file>
+
+<file path=ppt/slides/slide27.xml><?xml version="1.0" encoding="utf-8"?>
+<p:sld xmlns:a="http://schemas.openxmlformats.org/drawingml/2006/main" xmlns:r="http://schemas.openxmlformats.org/officeDocument/2006/relationships" xmlns:p="http://schemas.openxmlformats.org/presentationml/2006/main">
+  <p:cSld>
+    <p:spTree>
+      <p:nvGrpSpPr>
+        <p:cNvPr id="1" name="">
+          <a:extLst>
+            <a:ext uri="{FF2B5EF4-FFF2-40B4-BE49-F238E27FC236}">
+              <a16:creationId xmlns:a16="http://schemas.microsoft.com/office/drawing/2014/main" id="{19DEE390-28F5-F311-363E-663CB98BA323}"/>
+            </a:ext>
+          </a:extLst>
+        </p:cNvPr>
+        <p:cNvGrpSpPr/>
+        <p:nvPr/>
+      </p:nvGrpSpPr>
+      <p:grpSpPr>
+        <a:xfrm>
+          <a:off x="0" y="0"/>
+          <a:ext cx="0" cy="0"/>
+          <a:chOff x="0" y="0"/>
+          <a:chExt cx="0" cy="0"/>
+        </a:xfrm>
+      </p:grpSpPr>
+      <p:sp>
+        <p:nvSpPr>
+          <p:cNvPr id="2" name="Title 1">
+            <a:extLst>
+              <a:ext uri="{FF2B5EF4-FFF2-40B4-BE49-F238E27FC236}">
+                <a16:creationId xmlns:a16="http://schemas.microsoft.com/office/drawing/2014/main" id="{E8650652-3EF9-DA93-2E7B-5F820ABF65B9}"/>
+              </a:ext>
+            </a:extLst>
+          </p:cNvPr>
+          <p:cNvSpPr>
+            <a:spLocks noGrp="1"/>
+          </p:cNvSpPr>
+          <p:nvPr>
+            <p:ph type="title"/>
+          </p:nvPr>
+        </p:nvSpPr>
+        <p:spPr/>
+        <p:txBody>
+          <a:bodyPr>
+            <a:normAutofit fontScale="90000"/>
+          </a:bodyPr>
+          <a:lstStyle/>
+          <a:p>
+            <a:r>
+              <a:rPr lang="en-US" dirty="0"/>
+              <a:t>Hands-On Session</a:t>
+            </a:r>
+            <a:br>
+              <a:rPr lang="en-US" dirty="0"/>
+            </a:br>
+            <a:r>
+              <a:rPr lang="en-US" dirty="0"/>
+              <a:t>6-Calculator-Part1</a:t>
+            </a:r>
+            <a:endParaRPr lang="en-IN" dirty="0"/>
+          </a:p>
+        </p:txBody>
+      </p:sp>
+      <p:sp>
+        <p:nvSpPr>
+          <p:cNvPr id="4" name="Content Placeholder 3">
+            <a:extLst>
+              <a:ext uri="{FF2B5EF4-FFF2-40B4-BE49-F238E27FC236}">
+                <a16:creationId xmlns:a16="http://schemas.microsoft.com/office/drawing/2014/main" id="{95480E9B-BAA2-3F7B-40EA-6A3AEB74122D}"/>
+              </a:ext>
+            </a:extLst>
+          </p:cNvPr>
+          <p:cNvSpPr>
+            <a:spLocks noGrp="1"/>
+          </p:cNvSpPr>
+          <p:nvPr>
+            <p:ph idx="1"/>
+          </p:nvPr>
+        </p:nvSpPr>
+        <p:spPr/>
+        <p:txBody>
+          <a:bodyPr/>
+          <a:lstStyle/>
+          <a:p>
+            <a:endParaRPr lang="en-IN" dirty="0"/>
+          </a:p>
+        </p:txBody>
+      </p:sp>
+      <p:pic>
+        <p:nvPicPr>
+          <p:cNvPr id="5" name="Picture 4">
+            <a:extLst>
+              <a:ext uri="{FF2B5EF4-FFF2-40B4-BE49-F238E27FC236}">
+                <a16:creationId xmlns:a16="http://schemas.microsoft.com/office/drawing/2014/main" id="{E0AEB053-2AB5-8CD4-986E-4CAE263A256B}"/>
+              </a:ext>
+            </a:extLst>
+          </p:cNvPr>
+          <p:cNvPicPr>
+            <a:picLocks noChangeAspect="1"/>
+          </p:cNvPicPr>
+          <p:nvPr/>
+        </p:nvPicPr>
+        <p:blipFill>
+          <a:blip r:embed="rId2"/>
+          <a:stretch>
+            <a:fillRect/>
+          </a:stretch>
+        </p:blipFill>
+        <p:spPr>
+          <a:xfrm>
+            <a:off x="2447628" y="1600200"/>
+            <a:ext cx="4248743" cy="4348316"/>
+          </a:xfrm>
+          <a:prstGeom prst="rect">
+            <a:avLst/>
+          </a:prstGeom>
+        </p:spPr>
+      </p:pic>
+    </p:spTree>
+    <p:extLst>
+      <p:ext uri="{BB962C8B-B14F-4D97-AF65-F5344CB8AC3E}">
+        <p14:creationId xmlns:p14="http://schemas.microsoft.com/office/powerpoint/2010/main" val="3876882821"/>
+      </p:ext>
+    </p:extLst>
+  </p:cSld>
+  <p:clrMapOvr>
+    <a:masterClrMapping/>
+  </p:clrMapOvr>
+</p:sld>
+</file>
+
+<file path=ppt/slides/slide28.xml><?xml version="1.0" encoding="utf-8"?>
+<p:sld xmlns:a="http://schemas.openxmlformats.org/drawingml/2006/main" xmlns:r="http://schemas.openxmlformats.org/officeDocument/2006/relationships" xmlns:p="http://schemas.openxmlformats.org/presentationml/2006/main">
+  <p:cSld>
+    <p:spTree>
+      <p:nvGrpSpPr>
+        <p:cNvPr id="1" name="">
+          <a:extLst>
+            <a:ext uri="{FF2B5EF4-FFF2-40B4-BE49-F238E27FC236}">
+              <a16:creationId xmlns:a16="http://schemas.microsoft.com/office/drawing/2014/main" id="{CE3AC5A2-B851-F58F-ADE7-A81E242D131E}"/>
+            </a:ext>
+          </a:extLst>
+        </p:cNvPr>
+        <p:cNvGrpSpPr/>
+        <p:nvPr/>
+      </p:nvGrpSpPr>
+      <p:grpSpPr>
+        <a:xfrm>
+          <a:off x="0" y="0"/>
+          <a:ext cx="0" cy="0"/>
+          <a:chOff x="0" y="0"/>
+          <a:chExt cx="0" cy="0"/>
+        </a:xfrm>
+      </p:grpSpPr>
+      <p:sp>
+        <p:nvSpPr>
+          <p:cNvPr id="2" name="Title 1">
+            <a:extLst>
+              <a:ext uri="{FF2B5EF4-FFF2-40B4-BE49-F238E27FC236}">
+                <a16:creationId xmlns:a16="http://schemas.microsoft.com/office/drawing/2014/main" id="{824CD802-32A9-2FDA-1680-370D4A9DF8ED}"/>
+              </a:ext>
+            </a:extLst>
+          </p:cNvPr>
+          <p:cNvSpPr>
+            <a:spLocks noGrp="1"/>
+          </p:cNvSpPr>
+          <p:nvPr>
+            <p:ph type="title"/>
+          </p:nvPr>
+        </p:nvSpPr>
+        <p:spPr/>
+        <p:txBody>
+          <a:bodyPr>
+            <a:normAutofit fontScale="90000"/>
+          </a:bodyPr>
+          <a:lstStyle/>
+          <a:p>
+            <a:r>
+              <a:rPr lang="en-US" dirty="0"/>
+              <a:t>Hands-On Session</a:t>
+            </a:r>
+            <a:br>
+              <a:rPr lang="en-US" dirty="0"/>
+            </a:br>
+            <a:r>
+              <a:rPr lang="en-US" dirty="0"/>
+              <a:t>6-Calculator-Part2</a:t>
+            </a:r>
+            <a:endParaRPr lang="en-IN" dirty="0"/>
+          </a:p>
+        </p:txBody>
+      </p:sp>
+      <p:sp>
+        <p:nvSpPr>
+          <p:cNvPr id="4" name="Content Placeholder 3">
+            <a:extLst>
+              <a:ext uri="{FF2B5EF4-FFF2-40B4-BE49-F238E27FC236}">
+                <a16:creationId xmlns:a16="http://schemas.microsoft.com/office/drawing/2014/main" id="{29515813-204C-A864-4E6B-02E5EB9A64DC}"/>
+              </a:ext>
+            </a:extLst>
+          </p:cNvPr>
+          <p:cNvSpPr>
+            <a:spLocks noGrp="1"/>
+          </p:cNvSpPr>
+          <p:nvPr>
+            <p:ph idx="1"/>
+          </p:nvPr>
+        </p:nvSpPr>
+        <p:spPr/>
+        <p:txBody>
+          <a:bodyPr/>
+          <a:lstStyle/>
+          <a:p>
+            <a:endParaRPr lang="en-IN" dirty="0"/>
+          </a:p>
+        </p:txBody>
+      </p:sp>
+      <p:pic>
+        <p:nvPicPr>
+          <p:cNvPr id="6" name="Picture 5">
+            <a:extLst>
+              <a:ext uri="{FF2B5EF4-FFF2-40B4-BE49-F238E27FC236}">
+                <a16:creationId xmlns:a16="http://schemas.microsoft.com/office/drawing/2014/main" id="{34ADE5EC-92A9-723E-E9B8-753DE4E3339A}"/>
+              </a:ext>
+            </a:extLst>
+          </p:cNvPr>
+          <p:cNvPicPr>
+            <a:picLocks noChangeAspect="1"/>
+          </p:cNvPicPr>
+          <p:nvPr/>
+        </p:nvPicPr>
+        <p:blipFill>
+          <a:blip r:embed="rId2"/>
+          <a:stretch>
+            <a:fillRect/>
+          </a:stretch>
+        </p:blipFill>
+        <p:spPr>
+          <a:xfrm>
+            <a:off x="1209033" y="1600200"/>
+            <a:ext cx="6725934" cy="4525963"/>
+          </a:xfrm>
+          <a:prstGeom prst="rect">
+            <a:avLst/>
+          </a:prstGeom>
+        </p:spPr>
+      </p:pic>
+    </p:spTree>
+    <p:extLst>
+      <p:ext uri="{BB962C8B-B14F-4D97-AF65-F5344CB8AC3E}">
+        <p14:creationId xmlns:p14="http://schemas.microsoft.com/office/powerpoint/2010/main" val="3053287753"/>
+      </p:ext>
+    </p:extLst>
+  </p:cSld>
+  <p:clrMapOvr>
+    <a:masterClrMapping/>
+  </p:clrMapOvr>
+</p:sld>
+</file>
+
+<file path=ppt/slides/slide29.xml><?xml version="1.0" encoding="utf-8"?>
+<p:sld xmlns:a="http://schemas.openxmlformats.org/drawingml/2006/main" xmlns:r="http://schemas.openxmlformats.org/officeDocument/2006/relationships" xmlns:p="http://schemas.openxmlformats.org/presentationml/2006/main">
+  <p:cSld>
+    <p:spTree>
+      <p:nvGrpSpPr>
+        <p:cNvPr id="1" name="">
+          <a:extLst>
+            <a:ext uri="{FF2B5EF4-FFF2-40B4-BE49-F238E27FC236}">
+              <a16:creationId xmlns:a16="http://schemas.microsoft.com/office/drawing/2014/main" id="{81750B33-D757-5A8A-4540-584A3B5FE19C}"/>
+            </a:ext>
+          </a:extLst>
+        </p:cNvPr>
+        <p:cNvGrpSpPr/>
+        <p:nvPr/>
+      </p:nvGrpSpPr>
+      <p:grpSpPr>
+        <a:xfrm>
+          <a:off x="0" y="0"/>
+          <a:ext cx="0" cy="0"/>
+          <a:chOff x="0" y="0"/>
+          <a:chExt cx="0" cy="0"/>
+        </a:xfrm>
+      </p:grpSpPr>
+      <p:sp>
+        <p:nvSpPr>
+          <p:cNvPr id="2" name="Title 1">
+            <a:extLst>
+              <a:ext uri="{FF2B5EF4-FFF2-40B4-BE49-F238E27FC236}">
+                <a16:creationId xmlns:a16="http://schemas.microsoft.com/office/drawing/2014/main" id="{2B6BE8B9-1BD8-B355-8AFE-4FA379A8DDE2}"/>
+              </a:ext>
+            </a:extLst>
+          </p:cNvPr>
+          <p:cNvSpPr>
+            <a:spLocks noGrp="1"/>
+          </p:cNvSpPr>
+          <p:nvPr>
+            <p:ph type="title"/>
+          </p:nvPr>
+        </p:nvSpPr>
+        <p:spPr/>
+        <p:txBody>
+          <a:bodyPr>
+            <a:normAutofit fontScale="90000"/>
+          </a:bodyPr>
+          <a:lstStyle/>
+          <a:p>
+            <a:r>
+              <a:rPr lang="en-US" dirty="0"/>
+              <a:t>Hands-On Session</a:t>
+            </a:r>
+            <a:br>
+              <a:rPr lang="en-US" dirty="0"/>
+            </a:br>
+            <a:r>
+              <a:rPr lang="en-US" dirty="0"/>
+              <a:t>6-Calculator-Part3</a:t>
+            </a:r>
+            <a:endParaRPr lang="en-IN" dirty="0"/>
+          </a:p>
+        </p:txBody>
+      </p:sp>
+      <p:sp>
+        <p:nvSpPr>
+          <p:cNvPr id="4" name="Content Placeholder 3">
+            <a:extLst>
+              <a:ext uri="{FF2B5EF4-FFF2-40B4-BE49-F238E27FC236}">
+                <a16:creationId xmlns:a16="http://schemas.microsoft.com/office/drawing/2014/main" id="{1EFAA1DD-9E3D-F48E-BFB6-3F0A9E664549}"/>
+              </a:ext>
+            </a:extLst>
+          </p:cNvPr>
+          <p:cNvSpPr>
+            <a:spLocks noGrp="1"/>
+          </p:cNvSpPr>
+          <p:nvPr>
+            <p:ph idx="1"/>
+          </p:nvPr>
+        </p:nvSpPr>
+        <p:spPr/>
+        <p:txBody>
+          <a:bodyPr/>
+          <a:lstStyle/>
+          <a:p>
+            <a:endParaRPr lang="en-IN" dirty="0"/>
+          </a:p>
+        </p:txBody>
+      </p:sp>
+      <p:pic>
+        <p:nvPicPr>
+          <p:cNvPr id="5" name="Picture 4">
+            <a:extLst>
+              <a:ext uri="{FF2B5EF4-FFF2-40B4-BE49-F238E27FC236}">
+                <a16:creationId xmlns:a16="http://schemas.microsoft.com/office/drawing/2014/main" id="{EEEA4710-1036-B0A7-1FA3-9B9B451E82D0}"/>
+              </a:ext>
+            </a:extLst>
+          </p:cNvPr>
+          <p:cNvPicPr>
+            <a:picLocks noChangeAspect="1"/>
+          </p:cNvPicPr>
+          <p:nvPr/>
+        </p:nvPicPr>
+        <p:blipFill>
+          <a:blip r:embed="rId2"/>
+          <a:stretch>
+            <a:fillRect/>
+          </a:stretch>
+        </p:blipFill>
+        <p:spPr>
+          <a:xfrm>
+            <a:off x="1585495" y="1600200"/>
+            <a:ext cx="5973009" cy="4525964"/>
+          </a:xfrm>
+          <a:prstGeom prst="rect">
+            <a:avLst/>
+          </a:prstGeom>
+        </p:spPr>
+      </p:pic>
+    </p:spTree>
+    <p:extLst>
+      <p:ext uri="{BB962C8B-B14F-4D97-AF65-F5344CB8AC3E}">
+        <p14:creationId xmlns:p14="http://schemas.microsoft.com/office/powerpoint/2010/main" val="4016491210"/>
       </p:ext>
     </p:extLst>
   </p:cSld>
@@ -4518,6 +6092,512 @@
             <a:r>
               <a:t>- AI and ML Integration</a:t>
             </a:r>
+          </a:p>
+        </p:txBody>
+      </p:sp>
+    </p:spTree>
+  </p:cSld>
+  <p:clrMapOvr>
+    <a:masterClrMapping/>
+  </p:clrMapOvr>
+</p:sld>
+</file>
+
+<file path=ppt/slides/slide30.xml><?xml version="1.0" encoding="utf-8"?>
+<p:sld xmlns:a="http://schemas.openxmlformats.org/drawingml/2006/main" xmlns:r="http://schemas.openxmlformats.org/officeDocument/2006/relationships" xmlns:p="http://schemas.openxmlformats.org/presentationml/2006/main">
+  <p:cSld>
+    <p:spTree>
+      <p:nvGrpSpPr>
+        <p:cNvPr id="1" name="">
+          <a:extLst>
+            <a:ext uri="{FF2B5EF4-FFF2-40B4-BE49-F238E27FC236}">
+              <a16:creationId xmlns:a16="http://schemas.microsoft.com/office/drawing/2014/main" id="{B60D3719-5A3A-A37B-8728-437C6C5D6011}"/>
+            </a:ext>
+          </a:extLst>
+        </p:cNvPr>
+        <p:cNvGrpSpPr/>
+        <p:nvPr/>
+      </p:nvGrpSpPr>
+      <p:grpSpPr>
+        <a:xfrm>
+          <a:off x="0" y="0"/>
+          <a:ext cx="0" cy="0"/>
+          <a:chOff x="0" y="0"/>
+          <a:chExt cx="0" cy="0"/>
+        </a:xfrm>
+      </p:grpSpPr>
+      <p:sp>
+        <p:nvSpPr>
+          <p:cNvPr id="2" name="Title 1">
+            <a:extLst>
+              <a:ext uri="{FF2B5EF4-FFF2-40B4-BE49-F238E27FC236}">
+                <a16:creationId xmlns:a16="http://schemas.microsoft.com/office/drawing/2014/main" id="{0943FF8B-2B3E-66DB-3F8A-4D0B443D0344}"/>
+              </a:ext>
+            </a:extLst>
+          </p:cNvPr>
+          <p:cNvSpPr>
+            <a:spLocks noGrp="1"/>
+          </p:cNvSpPr>
+          <p:nvPr>
+            <p:ph type="title"/>
+          </p:nvPr>
+        </p:nvSpPr>
+        <p:spPr/>
+        <p:txBody>
+          <a:bodyPr>
+            <a:normAutofit fontScale="90000"/>
+          </a:bodyPr>
+          <a:lstStyle/>
+          <a:p>
+            <a:r>
+              <a:rPr lang="en-US" dirty="0"/>
+              <a:t>Hands-On Session</a:t>
+            </a:r>
+            <a:br>
+              <a:rPr lang="en-US" dirty="0"/>
+            </a:br>
+            <a:r>
+              <a:rPr lang="en-US" dirty="0"/>
+              <a:t>6-Calculator-Part4</a:t>
+            </a:r>
+            <a:endParaRPr lang="en-IN" dirty="0"/>
+          </a:p>
+        </p:txBody>
+      </p:sp>
+      <p:sp>
+        <p:nvSpPr>
+          <p:cNvPr id="4" name="Content Placeholder 3">
+            <a:extLst>
+              <a:ext uri="{FF2B5EF4-FFF2-40B4-BE49-F238E27FC236}">
+                <a16:creationId xmlns:a16="http://schemas.microsoft.com/office/drawing/2014/main" id="{2B253FA7-0B63-A1C0-0862-F02668C1EF24}"/>
+              </a:ext>
+            </a:extLst>
+          </p:cNvPr>
+          <p:cNvSpPr>
+            <a:spLocks noGrp="1"/>
+          </p:cNvSpPr>
+          <p:nvPr>
+            <p:ph idx="1"/>
+          </p:nvPr>
+        </p:nvSpPr>
+        <p:spPr/>
+        <p:txBody>
+          <a:bodyPr/>
+          <a:lstStyle/>
+          <a:p>
+            <a:endParaRPr lang="en-IN" dirty="0"/>
+          </a:p>
+        </p:txBody>
+      </p:sp>
+      <p:pic>
+        <p:nvPicPr>
+          <p:cNvPr id="6" name="Picture 5">
+            <a:extLst>
+              <a:ext uri="{FF2B5EF4-FFF2-40B4-BE49-F238E27FC236}">
+                <a16:creationId xmlns:a16="http://schemas.microsoft.com/office/drawing/2014/main" id="{31776869-CF8A-A1CA-B191-63CA7DE5CE60}"/>
+              </a:ext>
+            </a:extLst>
+          </p:cNvPr>
+          <p:cNvPicPr>
+            <a:picLocks noChangeAspect="1"/>
+          </p:cNvPicPr>
+          <p:nvPr/>
+        </p:nvPicPr>
+        <p:blipFill>
+          <a:blip r:embed="rId2"/>
+          <a:stretch>
+            <a:fillRect/>
+          </a:stretch>
+        </p:blipFill>
+        <p:spPr>
+          <a:xfrm>
+            <a:off x="1571206" y="1600200"/>
+            <a:ext cx="6001588" cy="4525963"/>
+          </a:xfrm>
+          <a:prstGeom prst="rect">
+            <a:avLst/>
+          </a:prstGeom>
+        </p:spPr>
+      </p:pic>
+    </p:spTree>
+    <p:extLst>
+      <p:ext uri="{BB962C8B-B14F-4D97-AF65-F5344CB8AC3E}">
+        <p14:creationId xmlns:p14="http://schemas.microsoft.com/office/powerpoint/2010/main" val="1863462222"/>
+      </p:ext>
+    </p:extLst>
+  </p:cSld>
+  <p:clrMapOvr>
+    <a:masterClrMapping/>
+  </p:clrMapOvr>
+</p:sld>
+</file>
+
+<file path=ppt/slides/slide31.xml><?xml version="1.0" encoding="utf-8"?>
+<p:sld xmlns:a="http://schemas.openxmlformats.org/drawingml/2006/main" xmlns:r="http://schemas.openxmlformats.org/officeDocument/2006/relationships" xmlns:p="http://schemas.openxmlformats.org/presentationml/2006/main">
+  <p:cSld>
+    <p:spTree>
+      <p:nvGrpSpPr>
+        <p:cNvPr id="1" name="">
+          <a:extLst>
+            <a:ext uri="{FF2B5EF4-FFF2-40B4-BE49-F238E27FC236}">
+              <a16:creationId xmlns:a16="http://schemas.microsoft.com/office/drawing/2014/main" id="{20F75C81-00C1-51D5-C511-F7199F3591AD}"/>
+            </a:ext>
+          </a:extLst>
+        </p:cNvPr>
+        <p:cNvGrpSpPr/>
+        <p:nvPr/>
+      </p:nvGrpSpPr>
+      <p:grpSpPr>
+        <a:xfrm>
+          <a:off x="0" y="0"/>
+          <a:ext cx="0" cy="0"/>
+          <a:chOff x="0" y="0"/>
+          <a:chExt cx="0" cy="0"/>
+        </a:xfrm>
+      </p:grpSpPr>
+      <p:sp>
+        <p:nvSpPr>
+          <p:cNvPr id="2" name="Title 1">
+            <a:extLst>
+              <a:ext uri="{FF2B5EF4-FFF2-40B4-BE49-F238E27FC236}">
+                <a16:creationId xmlns:a16="http://schemas.microsoft.com/office/drawing/2014/main" id="{47459F55-3D0B-52E0-A589-F1091F5186A3}"/>
+              </a:ext>
+            </a:extLst>
+          </p:cNvPr>
+          <p:cNvSpPr>
+            <a:spLocks noGrp="1"/>
+          </p:cNvSpPr>
+          <p:nvPr>
+            <p:ph type="title"/>
+          </p:nvPr>
+        </p:nvSpPr>
+        <p:spPr/>
+        <p:txBody>
+          <a:bodyPr>
+            <a:normAutofit fontScale="90000"/>
+          </a:bodyPr>
+          <a:lstStyle/>
+          <a:p>
+            <a:r>
+              <a:rPr lang="en-US" dirty="0"/>
+              <a:t>Hands-On Session</a:t>
+            </a:r>
+            <a:br>
+              <a:rPr lang="en-US" dirty="0"/>
+            </a:br>
+            <a:r>
+              <a:rPr lang="en-US" dirty="0"/>
+              <a:t>6-Calculator-Part5</a:t>
+            </a:r>
+            <a:endParaRPr lang="en-IN" dirty="0"/>
+          </a:p>
+        </p:txBody>
+      </p:sp>
+      <p:sp>
+        <p:nvSpPr>
+          <p:cNvPr id="4" name="Content Placeholder 3">
+            <a:extLst>
+              <a:ext uri="{FF2B5EF4-FFF2-40B4-BE49-F238E27FC236}">
+                <a16:creationId xmlns:a16="http://schemas.microsoft.com/office/drawing/2014/main" id="{94689954-F06D-1F35-AC78-19B44076759C}"/>
+              </a:ext>
+            </a:extLst>
+          </p:cNvPr>
+          <p:cNvSpPr>
+            <a:spLocks noGrp="1"/>
+          </p:cNvSpPr>
+          <p:nvPr>
+            <p:ph idx="1"/>
+          </p:nvPr>
+        </p:nvSpPr>
+        <p:spPr/>
+        <p:txBody>
+          <a:bodyPr/>
+          <a:lstStyle/>
+          <a:p>
+            <a:endParaRPr lang="en-IN" dirty="0"/>
+          </a:p>
+        </p:txBody>
+      </p:sp>
+      <p:pic>
+        <p:nvPicPr>
+          <p:cNvPr id="5" name="Picture 4">
+            <a:extLst>
+              <a:ext uri="{FF2B5EF4-FFF2-40B4-BE49-F238E27FC236}">
+                <a16:creationId xmlns:a16="http://schemas.microsoft.com/office/drawing/2014/main" id="{5CF690C2-9315-5AA9-854D-637DBEE6E067}"/>
+              </a:ext>
+            </a:extLst>
+          </p:cNvPr>
+          <p:cNvPicPr>
+            <a:picLocks noChangeAspect="1"/>
+          </p:cNvPicPr>
+          <p:nvPr/>
+        </p:nvPicPr>
+        <p:blipFill>
+          <a:blip r:embed="rId2"/>
+          <a:stretch>
+            <a:fillRect/>
+          </a:stretch>
+        </p:blipFill>
+        <p:spPr>
+          <a:xfrm>
+            <a:off x="1445342" y="1600199"/>
+            <a:ext cx="6022662" cy="4328653"/>
+          </a:xfrm>
+          <a:prstGeom prst="rect">
+            <a:avLst/>
+          </a:prstGeom>
+        </p:spPr>
+      </p:pic>
+    </p:spTree>
+    <p:extLst>
+      <p:ext uri="{BB962C8B-B14F-4D97-AF65-F5344CB8AC3E}">
+        <p14:creationId xmlns:p14="http://schemas.microsoft.com/office/powerpoint/2010/main" val="3847296247"/>
+      </p:ext>
+    </p:extLst>
+  </p:cSld>
+  <p:clrMapOvr>
+    <a:masterClrMapping/>
+  </p:clrMapOvr>
+</p:sld>
+</file>
+
+<file path=ppt/slides/slide32.xml><?xml version="1.0" encoding="utf-8"?>
+<p:sld xmlns:a="http://schemas.openxmlformats.org/drawingml/2006/main" xmlns:r="http://schemas.openxmlformats.org/officeDocument/2006/relationships" xmlns:p="http://schemas.openxmlformats.org/presentationml/2006/main">
+  <p:cSld>
+    <p:spTree>
+      <p:nvGrpSpPr>
+        <p:cNvPr id="1" name="">
+          <a:extLst>
+            <a:ext uri="{FF2B5EF4-FFF2-40B4-BE49-F238E27FC236}">
+              <a16:creationId xmlns:a16="http://schemas.microsoft.com/office/drawing/2014/main" id="{19118867-1D8A-D3D2-CCA4-64ED60184A0F}"/>
+            </a:ext>
+          </a:extLst>
+        </p:cNvPr>
+        <p:cNvGrpSpPr/>
+        <p:nvPr/>
+      </p:nvGrpSpPr>
+      <p:grpSpPr>
+        <a:xfrm>
+          <a:off x="0" y="0"/>
+          <a:ext cx="0" cy="0"/>
+          <a:chOff x="0" y="0"/>
+          <a:chExt cx="0" cy="0"/>
+        </a:xfrm>
+      </p:grpSpPr>
+      <p:sp>
+        <p:nvSpPr>
+          <p:cNvPr id="2" name="Title 1">
+            <a:extLst>
+              <a:ext uri="{FF2B5EF4-FFF2-40B4-BE49-F238E27FC236}">
+                <a16:creationId xmlns:a16="http://schemas.microsoft.com/office/drawing/2014/main" id="{8D8A5E07-E48F-456C-9A88-9EBCB3897A95}"/>
+              </a:ext>
+            </a:extLst>
+          </p:cNvPr>
+          <p:cNvSpPr>
+            <a:spLocks noGrp="1"/>
+          </p:cNvSpPr>
+          <p:nvPr>
+            <p:ph type="title"/>
+          </p:nvPr>
+        </p:nvSpPr>
+        <p:spPr/>
+        <p:txBody>
+          <a:bodyPr>
+            <a:normAutofit fontScale="90000"/>
+          </a:bodyPr>
+          <a:lstStyle/>
+          <a:p>
+            <a:r>
+              <a:rPr lang="en-US" dirty="0"/>
+              <a:t>Hands-On Session</a:t>
+            </a:r>
+            <a:br>
+              <a:rPr lang="en-US" dirty="0"/>
+            </a:br>
+            <a:r>
+              <a:rPr lang="en-US" dirty="0"/>
+              <a:t>6-Calculator-Part6</a:t>
+            </a:r>
+            <a:endParaRPr lang="en-IN" dirty="0"/>
+          </a:p>
+        </p:txBody>
+      </p:sp>
+      <p:sp>
+        <p:nvSpPr>
+          <p:cNvPr id="4" name="Content Placeholder 3">
+            <a:extLst>
+              <a:ext uri="{FF2B5EF4-FFF2-40B4-BE49-F238E27FC236}">
+                <a16:creationId xmlns:a16="http://schemas.microsoft.com/office/drawing/2014/main" id="{44B250E8-61E0-103E-177D-96009E91C575}"/>
+              </a:ext>
+            </a:extLst>
+          </p:cNvPr>
+          <p:cNvSpPr>
+            <a:spLocks noGrp="1"/>
+          </p:cNvSpPr>
+          <p:nvPr>
+            <p:ph idx="1"/>
+          </p:nvPr>
+        </p:nvSpPr>
+        <p:spPr/>
+        <p:txBody>
+          <a:bodyPr/>
+          <a:lstStyle/>
+          <a:p>
+            <a:endParaRPr lang="en-IN" dirty="0"/>
+          </a:p>
+        </p:txBody>
+      </p:sp>
+      <p:pic>
+        <p:nvPicPr>
+          <p:cNvPr id="6" name="Picture 5">
+            <a:extLst>
+              <a:ext uri="{FF2B5EF4-FFF2-40B4-BE49-F238E27FC236}">
+                <a16:creationId xmlns:a16="http://schemas.microsoft.com/office/drawing/2014/main" id="{E426A2FA-77EB-7E37-64FA-356C2562A0BE}"/>
+              </a:ext>
+            </a:extLst>
+          </p:cNvPr>
+          <p:cNvPicPr>
+            <a:picLocks noChangeAspect="1"/>
+          </p:cNvPicPr>
+          <p:nvPr/>
+        </p:nvPicPr>
+        <p:blipFill>
+          <a:blip r:embed="rId2"/>
+          <a:stretch>
+            <a:fillRect/>
+          </a:stretch>
+        </p:blipFill>
+        <p:spPr>
+          <a:xfrm>
+            <a:off x="1428311" y="1780945"/>
+            <a:ext cx="6287377" cy="3296110"/>
+          </a:xfrm>
+          <a:prstGeom prst="rect">
+            <a:avLst/>
+          </a:prstGeom>
+        </p:spPr>
+      </p:pic>
+    </p:spTree>
+    <p:extLst>
+      <p:ext uri="{BB962C8B-B14F-4D97-AF65-F5344CB8AC3E}">
+        <p14:creationId xmlns:p14="http://schemas.microsoft.com/office/powerpoint/2010/main" val="2853198293"/>
+      </p:ext>
+    </p:extLst>
+  </p:cSld>
+  <p:clrMapOvr>
+    <a:masterClrMapping/>
+  </p:clrMapOvr>
+</p:sld>
+</file>
+
+<file path=ppt/slides/slide33.xml><?xml version="1.0" encoding="utf-8"?>
+<p:sld xmlns:a="http://schemas.openxmlformats.org/drawingml/2006/main" xmlns:r="http://schemas.openxmlformats.org/officeDocument/2006/relationships" xmlns:p="http://schemas.openxmlformats.org/presentationml/2006/main">
+  <p:cSld>
+    <p:spTree>
+      <p:nvGrpSpPr>
+        <p:cNvPr id="1" name=""/>
+        <p:cNvGrpSpPr/>
+        <p:nvPr/>
+      </p:nvGrpSpPr>
+      <p:grpSpPr>
+        <a:xfrm>
+          <a:off x="0" y="0"/>
+          <a:ext cx="0" cy="0"/>
+          <a:chOff x="0" y="0"/>
+          <a:chExt cx="0" cy="0"/>
+        </a:xfrm>
+      </p:grpSpPr>
+      <p:sp>
+        <p:nvSpPr>
+          <p:cNvPr id="2" name="Title 1"/>
+          <p:cNvSpPr>
+            <a:spLocks noGrp="1"/>
+          </p:cNvSpPr>
+          <p:nvPr>
+            <p:ph type="title"/>
+          </p:nvPr>
+        </p:nvSpPr>
+        <p:spPr/>
+        <p:txBody>
+          <a:bodyPr/>
+          <a:lstStyle/>
+          <a:p>
+            <a:r>
+              <a:t>Q&amp;A</a:t>
+            </a:r>
+          </a:p>
+        </p:txBody>
+      </p:sp>
+      <p:sp>
+        <p:nvSpPr>
+          <p:cNvPr id="3" name="Content Placeholder 2"/>
+          <p:cNvSpPr>
+            <a:spLocks noGrp="1"/>
+          </p:cNvSpPr>
+          <p:nvPr>
+            <p:ph idx="1"/>
+          </p:nvPr>
+        </p:nvSpPr>
+        <p:spPr/>
+        <p:txBody>
+          <a:bodyPr/>
+          <a:lstStyle/>
+          <a:p>
+            <a:r>
+              <a:rPr dirty="0"/>
+              <a:t>Let’s Discuss </a:t>
+            </a:r>
+            <a:r>
+              <a:rPr lang="en-US" dirty="0"/>
+              <a:t>on </a:t>
+            </a:r>
+            <a:r>
+              <a:rPr dirty="0"/>
+              <a:t>Your Queries</a:t>
+            </a:r>
+            <a:endParaRPr lang="en-US" dirty="0"/>
+          </a:p>
+          <a:p>
+            <a:endParaRPr lang="en-IN" dirty="0"/>
+          </a:p>
+          <a:p>
+            <a:pPr lvl="3"/>
+            <a:endParaRPr lang="en-IN" dirty="0"/>
+          </a:p>
+          <a:p>
+            <a:pPr lvl="3"/>
+            <a:endParaRPr lang="en-IN" dirty="0"/>
+          </a:p>
+          <a:p>
+            <a:pPr marL="2743200" lvl="6" indent="0">
+              <a:buNone/>
+            </a:pPr>
+            <a:r>
+              <a:rPr lang="en-IN" sz="3600" b="1" dirty="0"/>
+              <a:t>Thank You</a:t>
+            </a:r>
+          </a:p>
+          <a:p>
+            <a:pPr marL="2743200" lvl="6" indent="0">
+              <a:buNone/>
+            </a:pPr>
+            <a:r>
+              <a:rPr lang="en-IN" sz="3600" b="1" dirty="0">
+                <a:hlinkClick r:id="rId2"/>
+              </a:rPr>
+              <a:t>www.Kaushalya.tech</a:t>
+            </a:r>
+            <a:endParaRPr lang="en-IN" sz="3600" b="1" dirty="0"/>
+          </a:p>
+          <a:p>
+            <a:pPr marL="2743200" lvl="6" indent="0">
+              <a:buNone/>
+            </a:pPr>
+            <a:r>
+              <a:rPr lang="en-IN" sz="3600" b="1" dirty="0"/>
+              <a:t>9845547471</a:t>
+            </a:r>
+            <a:endParaRPr sz="3600" b="1" dirty="0"/>
           </a:p>
         </p:txBody>
       </p:sp>
